--- a/1217Report_Pretrain정리/1217Report.pptx
+++ b/1217Report_Pretrain정리/1217Report.pptx
@@ -6,7 +6,16 @@
   </p:sldMasterIdLst>
   <p:sldIdLst>
     <p:sldId id="256" r:id="rId2"/>
-    <p:sldId id="257" r:id="rId3"/>
+    <p:sldId id="263" r:id="rId3"/>
+    <p:sldId id="257" r:id="rId4"/>
+    <p:sldId id="258" r:id="rId5"/>
+    <p:sldId id="259" r:id="rId6"/>
+    <p:sldId id="260" r:id="rId7"/>
+    <p:sldId id="261" r:id="rId8"/>
+    <p:sldId id="262" r:id="rId9"/>
+    <p:sldId id="264" r:id="rId10"/>
+    <p:sldId id="266" r:id="rId11"/>
+    <p:sldId id="265" r:id="rId12"/>
   </p:sldIdLst>
   <p:sldSz cx="12192000" cy="6858000"/>
   <p:notesSz cx="6858000" cy="9144000"/>
@@ -3478,6 +3487,239 @@
 </p:sld>
 </file>
 
+<file path=ppt/slides/slide10.xml><?xml version="1.0" encoding="utf-8"?>
+<p:sld xmlns:a="http://schemas.openxmlformats.org/drawingml/2006/main" xmlns:r="http://schemas.openxmlformats.org/officeDocument/2006/relationships" xmlns:p="http://schemas.openxmlformats.org/presentationml/2006/main">
+  <p:cSld>
+    <p:spTree>
+      <p:nvGrpSpPr>
+        <p:cNvPr id="1" name=""/>
+        <p:cNvGrpSpPr/>
+        <p:nvPr/>
+      </p:nvGrpSpPr>
+      <p:grpSpPr>
+        <a:xfrm>
+          <a:off x="0" y="0"/>
+          <a:ext cx="0" cy="0"/>
+          <a:chOff x="0" y="0"/>
+          <a:chExt cx="0" cy="0"/>
+        </a:xfrm>
+      </p:grpSpPr>
+      <p:sp>
+        <p:nvSpPr>
+          <p:cNvPr id="2" name="제목 1"/>
+          <p:cNvSpPr>
+            <a:spLocks noGrp="1"/>
+          </p:cNvSpPr>
+          <p:nvPr>
+            <p:ph type="title"/>
+          </p:nvPr>
+        </p:nvSpPr>
+        <p:spPr/>
+        <p:txBody>
+          <a:bodyPr/>
+          <a:lstStyle/>
+          <a:p>
+            <a:r>
+              <a:rPr lang="ko-KR" altLang="en-US" dirty="0" smtClean="0"/>
+              <a:t>버퍼에 다양한 데이터 입력</a:t>
+            </a:r>
+            <a:endParaRPr lang="ko-KR" altLang="en-US" dirty="0"/>
+          </a:p>
+        </p:txBody>
+      </p:sp>
+      <p:sp>
+        <p:nvSpPr>
+          <p:cNvPr id="3" name="내용 개체 틀 2"/>
+          <p:cNvSpPr>
+            <a:spLocks noGrp="1"/>
+          </p:cNvSpPr>
+          <p:nvPr>
+            <p:ph idx="1"/>
+          </p:nvPr>
+        </p:nvSpPr>
+        <p:spPr/>
+        <p:txBody>
+          <a:bodyPr/>
+          <a:lstStyle/>
+          <a:p>
+            <a:r>
+              <a:rPr lang="ko-KR" altLang="en-US" dirty="0" smtClean="0"/>
+              <a:t>기존에는 </a:t>
+            </a:r>
+            <a:r>
+              <a:rPr lang="en-US" altLang="ko-KR" dirty="0" smtClean="0"/>
+              <a:t>expert data</a:t>
+            </a:r>
+            <a:r>
+              <a:rPr lang="ko-KR" altLang="en-US" dirty="0" smtClean="0"/>
+              <a:t>를 최적의 데이터만을 넣어 주었음</a:t>
+            </a:r>
+            <a:r>
+              <a:rPr lang="en-US" altLang="ko-KR" dirty="0" smtClean="0"/>
+              <a:t>.</a:t>
+            </a:r>
+          </a:p>
+          <a:p>
+            <a:r>
+              <a:rPr lang="en-US" altLang="ko-KR" dirty="0" smtClean="0"/>
+              <a:t>30 </a:t>
+            </a:r>
+            <a:r>
+              <a:rPr lang="ko-KR" altLang="en-US" dirty="0" smtClean="0"/>
+              <a:t>개의 </a:t>
+            </a:r>
+            <a:r>
+              <a:rPr lang="en-US" altLang="ko-KR" dirty="0" smtClean="0"/>
+              <a:t>expert data, 29 k </a:t>
+            </a:r>
+            <a:r>
+              <a:rPr lang="ko-KR" altLang="en-US" dirty="0" smtClean="0"/>
+              <a:t>개의 데이터</a:t>
+            </a:r>
+            <a:r>
+              <a:rPr lang="en-US" altLang="ko-KR" dirty="0" smtClean="0"/>
+              <a:t>.</a:t>
+            </a:r>
+          </a:p>
+          <a:p>
+            <a:endParaRPr lang="ko-KR" altLang="en-US" dirty="0"/>
+          </a:p>
+        </p:txBody>
+      </p:sp>
+    </p:spTree>
+    <p:extLst>
+      <p:ext uri="{BB962C8B-B14F-4D97-AF65-F5344CB8AC3E}">
+        <p14:creationId xmlns:p14="http://schemas.microsoft.com/office/powerpoint/2010/main" val="1988919057"/>
+      </p:ext>
+    </p:extLst>
+  </p:cSld>
+  <p:clrMapOvr>
+    <a:masterClrMapping/>
+  </p:clrMapOvr>
+</p:sld>
+</file>
+
+<file path=ppt/slides/slide11.xml><?xml version="1.0" encoding="utf-8"?>
+<p:sld xmlns:a="http://schemas.openxmlformats.org/drawingml/2006/main" xmlns:r="http://schemas.openxmlformats.org/officeDocument/2006/relationships" xmlns:p="http://schemas.openxmlformats.org/presentationml/2006/main">
+  <p:cSld>
+    <p:spTree>
+      <p:nvGrpSpPr>
+        <p:cNvPr id="1" name=""/>
+        <p:cNvGrpSpPr/>
+        <p:nvPr/>
+      </p:nvGrpSpPr>
+      <p:grpSpPr>
+        <a:xfrm>
+          <a:off x="0" y="0"/>
+          <a:ext cx="0" cy="0"/>
+          <a:chOff x="0" y="0"/>
+          <a:chExt cx="0" cy="0"/>
+        </a:xfrm>
+      </p:grpSpPr>
+      <p:sp>
+        <p:nvSpPr>
+          <p:cNvPr id="2" name="제목 1"/>
+          <p:cNvSpPr>
+            <a:spLocks noGrp="1"/>
+          </p:cNvSpPr>
+          <p:nvPr>
+            <p:ph type="title"/>
+          </p:nvPr>
+        </p:nvSpPr>
+        <p:spPr/>
+        <p:txBody>
+          <a:bodyPr/>
+          <a:lstStyle/>
+          <a:p>
+            <a:r>
+              <a:rPr lang="en-US" altLang="ko-KR" dirty="0" smtClean="0"/>
+              <a:t>Various expert – buffer 685k / </a:t>
+            </a:r>
+            <a:r>
+              <a:rPr lang="en-US" altLang="ko-KR" dirty="0" err="1" smtClean="0"/>
+              <a:t>pretrain</a:t>
+            </a:r>
+            <a:r>
+              <a:rPr lang="en-US" altLang="ko-KR" dirty="0" smtClean="0"/>
+              <a:t> 100k / learn 100k</a:t>
+            </a:r>
+            <a:endParaRPr lang="ko-KR" altLang="en-US" dirty="0"/>
+          </a:p>
+        </p:txBody>
+      </p:sp>
+      <p:pic>
+        <p:nvPicPr>
+          <p:cNvPr id="4" name="내용 개체 틀 3"/>
+          <p:cNvPicPr>
+            <a:picLocks noGrp="1" noChangeAspect="1"/>
+          </p:cNvPicPr>
+          <p:nvPr>
+            <p:ph idx="1"/>
+          </p:nvPr>
+        </p:nvPicPr>
+        <p:blipFill>
+          <a:blip r:embed="rId2"/>
+          <a:stretch>
+            <a:fillRect/>
+          </a:stretch>
+        </p:blipFill>
+        <p:spPr>
+          <a:xfrm>
+            <a:off x="448887" y="1376046"/>
+            <a:ext cx="5906193" cy="2563698"/>
+          </a:xfrm>
+          <a:prstGeom prst="rect">
+            <a:avLst/>
+          </a:prstGeom>
+          <a:ln>
+            <a:solidFill>
+              <a:schemeClr val="tx1"/>
+            </a:solidFill>
+          </a:ln>
+        </p:spPr>
+      </p:pic>
+      <p:pic>
+        <p:nvPicPr>
+          <p:cNvPr id="5" name="그림 4"/>
+          <p:cNvPicPr>
+            <a:picLocks noChangeAspect="1"/>
+          </p:cNvPicPr>
+          <p:nvPr/>
+        </p:nvPicPr>
+        <p:blipFill>
+          <a:blip r:embed="rId3"/>
+          <a:stretch>
+            <a:fillRect/>
+          </a:stretch>
+        </p:blipFill>
+        <p:spPr>
+          <a:xfrm>
+            <a:off x="448886" y="4044540"/>
+            <a:ext cx="5906193" cy="2676773"/>
+          </a:xfrm>
+          <a:prstGeom prst="rect">
+            <a:avLst/>
+          </a:prstGeom>
+          <a:ln>
+            <a:solidFill>
+              <a:schemeClr val="tx1"/>
+            </a:solidFill>
+          </a:ln>
+        </p:spPr>
+      </p:pic>
+    </p:spTree>
+    <p:extLst>
+      <p:ext uri="{BB962C8B-B14F-4D97-AF65-F5344CB8AC3E}">
+        <p14:creationId xmlns:p14="http://schemas.microsoft.com/office/powerpoint/2010/main" val="2490928454"/>
+      </p:ext>
+    </p:extLst>
+  </p:cSld>
+  <p:clrMapOvr>
+    <a:masterClrMapping/>
+  </p:clrMapOvr>
+</p:sld>
+</file>
+
 <file path=ppt/slides/slide2.xml><?xml version="1.0" encoding="utf-8"?>
 <p:sld xmlns:a="http://schemas.openxmlformats.org/drawingml/2006/main" xmlns:r="http://schemas.openxmlformats.org/officeDocument/2006/relationships" xmlns:p="http://schemas.openxmlformats.org/presentationml/2006/main">
   <p:cSld>
@@ -3497,6 +3739,163 @@
       </p:grpSpPr>
       <p:sp>
         <p:nvSpPr>
+          <p:cNvPr id="2" name="제목 1"/>
+          <p:cNvSpPr>
+            <a:spLocks noGrp="1"/>
+          </p:cNvSpPr>
+          <p:nvPr>
+            <p:ph type="title"/>
+          </p:nvPr>
+        </p:nvSpPr>
+        <p:spPr/>
+        <p:txBody>
+          <a:bodyPr/>
+          <a:lstStyle/>
+          <a:p>
+            <a:r>
+              <a:rPr lang="ko-KR" altLang="en-US" dirty="0" smtClean="0"/>
+              <a:t>기존 </a:t>
+            </a:r>
+            <a:r>
+              <a:rPr lang="en-US" altLang="ko-KR" dirty="0" smtClean="0"/>
+              <a:t>300</a:t>
+            </a:r>
+            <a:r>
+              <a:rPr lang="ko-KR" altLang="en-US" dirty="0" smtClean="0"/>
+              <a:t>만회 학습 시</a:t>
+            </a:r>
+            <a:endParaRPr lang="ko-KR" altLang="en-US" dirty="0"/>
+          </a:p>
+        </p:txBody>
+      </p:sp>
+      <p:pic>
+        <p:nvPicPr>
+          <p:cNvPr id="4" name="내용 개체 틀 3"/>
+          <p:cNvPicPr>
+            <a:picLocks noGrp="1" noChangeAspect="1"/>
+          </p:cNvPicPr>
+          <p:nvPr>
+            <p:ph idx="1"/>
+          </p:nvPr>
+        </p:nvPicPr>
+        <p:blipFill>
+          <a:blip r:embed="rId2"/>
+          <a:stretch>
+            <a:fillRect/>
+          </a:stretch>
+        </p:blipFill>
+        <p:spPr>
+          <a:xfrm>
+            <a:off x="448887" y="1597015"/>
+            <a:ext cx="5569146" cy="2464446"/>
+          </a:xfrm>
+          <a:prstGeom prst="rect">
+            <a:avLst/>
+          </a:prstGeom>
+          <a:ln>
+            <a:solidFill>
+              <a:schemeClr val="tx1"/>
+            </a:solidFill>
+          </a:ln>
+        </p:spPr>
+      </p:pic>
+      <p:pic>
+        <p:nvPicPr>
+          <p:cNvPr id="5" name="그림 4"/>
+          <p:cNvPicPr>
+            <a:picLocks noChangeAspect="1"/>
+          </p:cNvPicPr>
+          <p:nvPr/>
+        </p:nvPicPr>
+        <p:blipFill>
+          <a:blip r:embed="rId3"/>
+          <a:stretch>
+            <a:fillRect/>
+          </a:stretch>
+        </p:blipFill>
+        <p:spPr>
+          <a:xfrm>
+            <a:off x="448887" y="4183380"/>
+            <a:ext cx="5569146" cy="2523686"/>
+          </a:xfrm>
+          <a:prstGeom prst="rect">
+            <a:avLst/>
+          </a:prstGeom>
+          <a:ln>
+            <a:solidFill>
+              <a:schemeClr val="tx1"/>
+            </a:solidFill>
+          </a:ln>
+        </p:spPr>
+      </p:pic>
+      <p:sp>
+        <p:nvSpPr>
+          <p:cNvPr id="6" name="TextBox 5"/>
+          <p:cNvSpPr txBox="1"/>
+          <p:nvPr/>
+        </p:nvSpPr>
+        <p:spPr>
+          <a:xfrm>
+            <a:off x="6804660" y="2194560"/>
+            <a:ext cx="3465372" cy="646331"/>
+          </a:xfrm>
+          <a:prstGeom prst="rect">
+            <a:avLst/>
+          </a:prstGeom>
+          <a:noFill/>
+        </p:spPr>
+        <p:txBody>
+          <a:bodyPr wrap="none" rtlCol="0">
+            <a:spAutoFit/>
+          </a:bodyPr>
+          <a:lstStyle/>
+          <a:p>
+            <a:r>
+              <a:rPr lang="en-US" altLang="ko-KR" dirty="0" smtClean="0"/>
+              <a:t>Episode Length mean = 1285</a:t>
+            </a:r>
+          </a:p>
+          <a:p>
+            <a:r>
+              <a:rPr lang="en-US" altLang="ko-KR" dirty="0" smtClean="0"/>
+              <a:t>Episode Reward mean = -2e+5</a:t>
+            </a:r>
+            <a:endParaRPr lang="ko-KR" altLang="en-US" dirty="0"/>
+          </a:p>
+        </p:txBody>
+      </p:sp>
+    </p:spTree>
+    <p:extLst>
+      <p:ext uri="{BB962C8B-B14F-4D97-AF65-F5344CB8AC3E}">
+        <p14:creationId xmlns:p14="http://schemas.microsoft.com/office/powerpoint/2010/main" val="1800480654"/>
+      </p:ext>
+    </p:extLst>
+  </p:cSld>
+  <p:clrMapOvr>
+    <a:masterClrMapping/>
+  </p:clrMapOvr>
+</p:sld>
+</file>
+
+<file path=ppt/slides/slide3.xml><?xml version="1.0" encoding="utf-8"?>
+<p:sld xmlns:a="http://schemas.openxmlformats.org/drawingml/2006/main" xmlns:r="http://schemas.openxmlformats.org/officeDocument/2006/relationships" xmlns:p="http://schemas.openxmlformats.org/presentationml/2006/main">
+  <p:cSld>
+    <p:spTree>
+      <p:nvGrpSpPr>
+        <p:cNvPr id="1" name=""/>
+        <p:cNvGrpSpPr/>
+        <p:nvPr/>
+      </p:nvGrpSpPr>
+      <p:grpSpPr>
+        <a:xfrm>
+          <a:off x="0" y="0"/>
+          <a:ext cx="0" cy="0"/>
+          <a:chOff x="0" y="0"/>
+          <a:chExt cx="0" cy="0"/>
+        </a:xfrm>
+      </p:grpSpPr>
+      <p:sp>
+        <p:nvSpPr>
           <p:cNvPr id="2" name="제목 1">
             <a:extLst>
               <a:ext uri="{FF2B5EF4-FFF2-40B4-BE49-F238E27FC236}">
@@ -3517,42 +3916,883 @@
           <a:lstStyle/>
           <a:p>
             <a:r>
+              <a:rPr lang="en-US" altLang="ko-KR" dirty="0" smtClean="0"/>
+              <a:t>buffer </a:t>
+            </a:r>
+            <a:r>
               <a:rPr lang="en-US" altLang="ko-KR" dirty="0"/>
-              <a:t>1. buffer 10k / pretrain 50k / learn 100k</a:t>
+              <a:t>10k / pretrain 50k / learn 100k</a:t>
             </a:r>
             <a:endParaRPr lang="ko-KR" altLang="en-US" dirty="0"/>
           </a:p>
         </p:txBody>
       </p:sp>
-      <p:sp>
-        <p:nvSpPr>
-          <p:cNvPr id="3" name="내용 개체 틀 2">
-            <a:extLst>
-              <a:ext uri="{FF2B5EF4-FFF2-40B4-BE49-F238E27FC236}">
-                <a16:creationId xmlns:a16="http://schemas.microsoft.com/office/drawing/2014/main" id="{64558908-8881-2B37-2703-C042ED90A3E7}"/>
-              </a:ext>
-            </a:extLst>
-          </p:cNvPr>
-          <p:cNvSpPr>
-            <a:spLocks noGrp="1"/>
-          </p:cNvSpPr>
+      <p:pic>
+        <p:nvPicPr>
+          <p:cNvPr id="4" name="내용 개체 틀 3"/>
+          <p:cNvPicPr>
+            <a:picLocks noGrp="1" noChangeAspect="1"/>
+          </p:cNvPicPr>
           <p:nvPr>
             <p:ph idx="1"/>
           </p:nvPr>
-        </p:nvSpPr>
-        <p:spPr/>
-        <p:txBody>
-          <a:bodyPr/>
-          <a:lstStyle/>
-          <a:p>
-            <a:endParaRPr lang="ko-KR" altLang="en-US"/>
-          </a:p>
-        </p:txBody>
-      </p:sp>
+        </p:nvPicPr>
+        <p:blipFill>
+          <a:blip r:embed="rId2"/>
+          <a:stretch>
+            <a:fillRect/>
+          </a:stretch>
+        </p:blipFill>
+        <p:spPr>
+          <a:xfrm>
+            <a:off x="281353" y="1371064"/>
+            <a:ext cx="6992914" cy="2567889"/>
+          </a:xfrm>
+          <a:prstGeom prst="rect">
+            <a:avLst/>
+          </a:prstGeom>
+          <a:ln>
+            <a:solidFill>
+              <a:schemeClr val="tx1"/>
+            </a:solidFill>
+          </a:ln>
+        </p:spPr>
+      </p:pic>
+      <p:pic>
+        <p:nvPicPr>
+          <p:cNvPr id="5" name="그림 4"/>
+          <p:cNvPicPr>
+            <a:picLocks noChangeAspect="1"/>
+          </p:cNvPicPr>
+          <p:nvPr/>
+        </p:nvPicPr>
+        <p:blipFill>
+          <a:blip r:embed="rId3"/>
+          <a:stretch>
+            <a:fillRect/>
+          </a:stretch>
+        </p:blipFill>
+        <p:spPr>
+          <a:xfrm>
+            <a:off x="281353" y="4093497"/>
+            <a:ext cx="6992913" cy="2701807"/>
+          </a:xfrm>
+          <a:prstGeom prst="rect">
+            <a:avLst/>
+          </a:prstGeom>
+          <a:ln>
+            <a:solidFill>
+              <a:schemeClr val="tx1"/>
+            </a:solidFill>
+          </a:ln>
+        </p:spPr>
+      </p:pic>
     </p:spTree>
     <p:extLst>
       <p:ext uri="{BB962C8B-B14F-4D97-AF65-F5344CB8AC3E}">
         <p14:creationId xmlns:p14="http://schemas.microsoft.com/office/powerpoint/2010/main" val="4184981428"/>
+      </p:ext>
+    </p:extLst>
+  </p:cSld>
+  <p:clrMapOvr>
+    <a:masterClrMapping/>
+  </p:clrMapOvr>
+</p:sld>
+</file>
+
+<file path=ppt/slides/slide4.xml><?xml version="1.0" encoding="utf-8"?>
+<p:sld xmlns:a="http://schemas.openxmlformats.org/drawingml/2006/main" xmlns:r="http://schemas.openxmlformats.org/officeDocument/2006/relationships" xmlns:p="http://schemas.openxmlformats.org/presentationml/2006/main">
+  <p:cSld>
+    <p:spTree>
+      <p:nvGrpSpPr>
+        <p:cNvPr id="1" name=""/>
+        <p:cNvGrpSpPr/>
+        <p:nvPr/>
+      </p:nvGrpSpPr>
+      <p:grpSpPr>
+        <a:xfrm>
+          <a:off x="0" y="0"/>
+          <a:ext cx="0" cy="0"/>
+          <a:chOff x="0" y="0"/>
+          <a:chExt cx="0" cy="0"/>
+        </a:xfrm>
+      </p:grpSpPr>
+      <p:sp>
+        <p:nvSpPr>
+          <p:cNvPr id="2" name="제목 1">
+            <a:extLst>
+              <a:ext uri="{FF2B5EF4-FFF2-40B4-BE49-F238E27FC236}">
+                <a16:creationId xmlns:a16="http://schemas.microsoft.com/office/drawing/2014/main" id="{7CE2A7D3-ECF7-1701-D972-A6D9770685E2}"/>
+              </a:ext>
+            </a:extLst>
+          </p:cNvPr>
+          <p:cNvSpPr>
+            <a:spLocks noGrp="1"/>
+          </p:cNvSpPr>
+          <p:nvPr>
+            <p:ph type="title"/>
+          </p:nvPr>
+        </p:nvSpPr>
+        <p:spPr/>
+        <p:txBody>
+          <a:bodyPr/>
+          <a:lstStyle/>
+          <a:p>
+            <a:r>
+              <a:rPr lang="en-US" altLang="ko-KR" dirty="0" smtClean="0"/>
+              <a:t>buffer </a:t>
+            </a:r>
+            <a:r>
+              <a:rPr lang="en-US" altLang="ko-KR" dirty="0"/>
+              <a:t>10k / </a:t>
+            </a:r>
+            <a:r>
+              <a:rPr lang="en-US" altLang="ko-KR" dirty="0" err="1"/>
+              <a:t>pretrain</a:t>
+            </a:r>
+            <a:r>
+              <a:rPr lang="en-US" altLang="ko-KR" dirty="0"/>
+              <a:t> </a:t>
+            </a:r>
+            <a:r>
+              <a:rPr lang="en-US" altLang="ko-KR" dirty="0" smtClean="0"/>
+              <a:t>500k </a:t>
+            </a:r>
+            <a:r>
+              <a:rPr lang="en-US" altLang="ko-KR" dirty="0"/>
+              <a:t>/ learn 100k</a:t>
+            </a:r>
+            <a:endParaRPr lang="ko-KR" altLang="en-US" dirty="0"/>
+          </a:p>
+        </p:txBody>
+      </p:sp>
+      <p:pic>
+        <p:nvPicPr>
+          <p:cNvPr id="6" name="내용 개체 틀 5"/>
+          <p:cNvPicPr>
+            <a:picLocks noGrp="1" noChangeAspect="1"/>
+          </p:cNvPicPr>
+          <p:nvPr>
+            <p:ph idx="1"/>
+          </p:nvPr>
+        </p:nvPicPr>
+        <p:blipFill>
+          <a:blip r:embed="rId2"/>
+          <a:stretch>
+            <a:fillRect/>
+          </a:stretch>
+        </p:blipFill>
+        <p:spPr>
+          <a:xfrm>
+            <a:off x="2322025" y="1333761"/>
+            <a:ext cx="7015407" cy="2626457"/>
+          </a:xfrm>
+          <a:prstGeom prst="rect">
+            <a:avLst/>
+          </a:prstGeom>
+          <a:ln>
+            <a:solidFill>
+              <a:schemeClr val="tx1"/>
+            </a:solidFill>
+          </a:ln>
+        </p:spPr>
+      </p:pic>
+      <p:pic>
+        <p:nvPicPr>
+          <p:cNvPr id="7" name="그림 6"/>
+          <p:cNvPicPr>
+            <a:picLocks noChangeAspect="1"/>
+          </p:cNvPicPr>
+          <p:nvPr/>
+        </p:nvPicPr>
+        <p:blipFill>
+          <a:blip r:embed="rId3"/>
+          <a:stretch>
+            <a:fillRect/>
+          </a:stretch>
+        </p:blipFill>
+        <p:spPr>
+          <a:xfrm>
+            <a:off x="2322026" y="4048477"/>
+            <a:ext cx="7015406" cy="2653225"/>
+          </a:xfrm>
+          <a:prstGeom prst="rect">
+            <a:avLst/>
+          </a:prstGeom>
+          <a:ln>
+            <a:solidFill>
+              <a:schemeClr val="tx1"/>
+            </a:solidFill>
+          </a:ln>
+        </p:spPr>
+      </p:pic>
+    </p:spTree>
+    <p:extLst>
+      <p:ext uri="{BB962C8B-B14F-4D97-AF65-F5344CB8AC3E}">
+        <p14:creationId xmlns:p14="http://schemas.microsoft.com/office/powerpoint/2010/main" val="736011839"/>
+      </p:ext>
+    </p:extLst>
+  </p:cSld>
+  <p:clrMapOvr>
+    <a:masterClrMapping/>
+  </p:clrMapOvr>
+</p:sld>
+</file>
+
+<file path=ppt/slides/slide5.xml><?xml version="1.0" encoding="utf-8"?>
+<p:sld xmlns:a="http://schemas.openxmlformats.org/drawingml/2006/main" xmlns:r="http://schemas.openxmlformats.org/officeDocument/2006/relationships" xmlns:p="http://schemas.openxmlformats.org/presentationml/2006/main">
+  <p:cSld>
+    <p:spTree>
+      <p:nvGrpSpPr>
+        <p:cNvPr id="1" name=""/>
+        <p:cNvGrpSpPr/>
+        <p:nvPr/>
+      </p:nvGrpSpPr>
+      <p:grpSpPr>
+        <a:xfrm>
+          <a:off x="0" y="0"/>
+          <a:ext cx="0" cy="0"/>
+          <a:chOff x="0" y="0"/>
+          <a:chExt cx="0" cy="0"/>
+        </a:xfrm>
+      </p:grpSpPr>
+      <p:sp>
+        <p:nvSpPr>
+          <p:cNvPr id="2" name="제목 1"/>
+          <p:cNvSpPr>
+            <a:spLocks noGrp="1"/>
+          </p:cNvSpPr>
+          <p:nvPr>
+            <p:ph type="title"/>
+          </p:nvPr>
+        </p:nvSpPr>
+        <p:spPr/>
+        <p:txBody>
+          <a:bodyPr/>
+          <a:lstStyle/>
+          <a:p>
+            <a:r>
+              <a:rPr lang="en-US" altLang="ko-KR" dirty="0" smtClean="0"/>
+              <a:t>buffer 100k </a:t>
+            </a:r>
+            <a:r>
+              <a:rPr lang="en-US" altLang="ko-KR" dirty="0"/>
+              <a:t>/ </a:t>
+            </a:r>
+            <a:r>
+              <a:rPr lang="en-US" altLang="ko-KR" dirty="0" err="1"/>
+              <a:t>pretrain</a:t>
+            </a:r>
+            <a:r>
+              <a:rPr lang="en-US" altLang="ko-KR" dirty="0"/>
+              <a:t> </a:t>
+            </a:r>
+            <a:r>
+              <a:rPr lang="en-US" altLang="ko-KR" dirty="0" smtClean="0"/>
+              <a:t>50k </a:t>
+            </a:r>
+            <a:r>
+              <a:rPr lang="en-US" altLang="ko-KR" dirty="0"/>
+              <a:t>/ learn 100k</a:t>
+            </a:r>
+            <a:endParaRPr lang="ko-KR" altLang="en-US" dirty="0"/>
+          </a:p>
+        </p:txBody>
+      </p:sp>
+      <p:pic>
+        <p:nvPicPr>
+          <p:cNvPr id="4" name="내용 개체 틀 3"/>
+          <p:cNvPicPr>
+            <a:picLocks noGrp="1" noChangeAspect="1"/>
+          </p:cNvPicPr>
+          <p:nvPr>
+            <p:ph idx="1"/>
+          </p:nvPr>
+        </p:nvPicPr>
+        <p:blipFill>
+          <a:blip r:embed="rId2"/>
+          <a:stretch>
+            <a:fillRect/>
+          </a:stretch>
+        </p:blipFill>
+        <p:spPr>
+          <a:xfrm>
+            <a:off x="448886" y="1509468"/>
+            <a:ext cx="6818253" cy="2544372"/>
+          </a:xfrm>
+          <a:prstGeom prst="rect">
+            <a:avLst/>
+          </a:prstGeom>
+          <a:ln>
+            <a:solidFill>
+              <a:schemeClr val="tx1"/>
+            </a:solidFill>
+          </a:ln>
+        </p:spPr>
+      </p:pic>
+      <p:pic>
+        <p:nvPicPr>
+          <p:cNvPr id="5" name="그림 4"/>
+          <p:cNvPicPr>
+            <a:picLocks noChangeAspect="1"/>
+          </p:cNvPicPr>
+          <p:nvPr/>
+        </p:nvPicPr>
+        <p:blipFill>
+          <a:blip r:embed="rId3"/>
+          <a:stretch>
+            <a:fillRect/>
+          </a:stretch>
+        </p:blipFill>
+        <p:spPr>
+          <a:xfrm>
+            <a:off x="448887" y="4097960"/>
+            <a:ext cx="6818252" cy="2607954"/>
+          </a:xfrm>
+          <a:prstGeom prst="rect">
+            <a:avLst/>
+          </a:prstGeom>
+          <a:ln>
+            <a:solidFill>
+              <a:schemeClr val="tx1"/>
+            </a:solidFill>
+          </a:ln>
+        </p:spPr>
+      </p:pic>
+    </p:spTree>
+    <p:extLst>
+      <p:ext uri="{BB962C8B-B14F-4D97-AF65-F5344CB8AC3E}">
+        <p14:creationId xmlns:p14="http://schemas.microsoft.com/office/powerpoint/2010/main" val="3383524551"/>
+      </p:ext>
+    </p:extLst>
+  </p:cSld>
+  <p:clrMapOvr>
+    <a:masterClrMapping/>
+  </p:clrMapOvr>
+</p:sld>
+</file>
+
+<file path=ppt/slides/slide6.xml><?xml version="1.0" encoding="utf-8"?>
+<p:sld xmlns:a="http://schemas.openxmlformats.org/drawingml/2006/main" xmlns:r="http://schemas.openxmlformats.org/officeDocument/2006/relationships" xmlns:p="http://schemas.openxmlformats.org/presentationml/2006/main">
+  <p:cSld>
+    <p:spTree>
+      <p:nvGrpSpPr>
+        <p:cNvPr id="1" name=""/>
+        <p:cNvGrpSpPr/>
+        <p:nvPr/>
+      </p:nvGrpSpPr>
+      <p:grpSpPr>
+        <a:xfrm>
+          <a:off x="0" y="0"/>
+          <a:ext cx="0" cy="0"/>
+          <a:chOff x="0" y="0"/>
+          <a:chExt cx="0" cy="0"/>
+        </a:xfrm>
+      </p:grpSpPr>
+      <p:sp>
+        <p:nvSpPr>
+          <p:cNvPr id="2" name="제목 1"/>
+          <p:cNvSpPr>
+            <a:spLocks noGrp="1"/>
+          </p:cNvSpPr>
+          <p:nvPr>
+            <p:ph type="title"/>
+          </p:nvPr>
+        </p:nvSpPr>
+        <p:spPr/>
+        <p:txBody>
+          <a:bodyPr/>
+          <a:lstStyle/>
+          <a:p>
+            <a:r>
+              <a:rPr lang="en-US" altLang="ko-KR" dirty="0"/>
+              <a:t>buffer </a:t>
+            </a:r>
+            <a:r>
+              <a:rPr lang="en-US" altLang="ko-KR" dirty="0" smtClean="0"/>
+              <a:t>10000k </a:t>
+            </a:r>
+            <a:r>
+              <a:rPr lang="en-US" altLang="ko-KR" dirty="0"/>
+              <a:t>/ </a:t>
+            </a:r>
+            <a:r>
+              <a:rPr lang="en-US" altLang="ko-KR" dirty="0" err="1"/>
+              <a:t>pretrain</a:t>
+            </a:r>
+            <a:r>
+              <a:rPr lang="en-US" altLang="ko-KR" dirty="0"/>
+              <a:t> 50k / learn 100k</a:t>
+            </a:r>
+            <a:endParaRPr lang="ko-KR" altLang="en-US" dirty="0"/>
+          </a:p>
+        </p:txBody>
+      </p:sp>
+      <p:pic>
+        <p:nvPicPr>
+          <p:cNvPr id="4" name="내용 개체 틀 3"/>
+          <p:cNvPicPr>
+            <a:picLocks noGrp="1" noChangeAspect="1"/>
+          </p:cNvPicPr>
+          <p:nvPr>
+            <p:ph idx="1"/>
+          </p:nvPr>
+        </p:nvPicPr>
+        <p:blipFill>
+          <a:blip r:embed="rId2"/>
+          <a:stretch>
+            <a:fillRect/>
+          </a:stretch>
+        </p:blipFill>
+        <p:spPr>
+          <a:xfrm>
+            <a:off x="448887" y="1375302"/>
+            <a:ext cx="6893169" cy="2661215"/>
+          </a:xfrm>
+          <a:prstGeom prst="rect">
+            <a:avLst/>
+          </a:prstGeom>
+          <a:ln>
+            <a:solidFill>
+              <a:schemeClr val="tx1"/>
+            </a:solidFill>
+          </a:ln>
+        </p:spPr>
+      </p:pic>
+      <p:pic>
+        <p:nvPicPr>
+          <p:cNvPr id="5" name="그림 4"/>
+          <p:cNvPicPr>
+            <a:picLocks noChangeAspect="1"/>
+          </p:cNvPicPr>
+          <p:nvPr/>
+        </p:nvPicPr>
+        <p:blipFill>
+          <a:blip r:embed="rId3"/>
+          <a:stretch>
+            <a:fillRect/>
+          </a:stretch>
+        </p:blipFill>
+        <p:spPr>
+          <a:xfrm>
+            <a:off x="448887" y="4149969"/>
+            <a:ext cx="6661500" cy="2493289"/>
+          </a:xfrm>
+          <a:prstGeom prst="rect">
+            <a:avLst/>
+          </a:prstGeom>
+          <a:ln>
+            <a:solidFill>
+              <a:schemeClr val="tx1"/>
+            </a:solidFill>
+          </a:ln>
+        </p:spPr>
+      </p:pic>
+    </p:spTree>
+    <p:extLst>
+      <p:ext uri="{BB962C8B-B14F-4D97-AF65-F5344CB8AC3E}">
+        <p14:creationId xmlns:p14="http://schemas.microsoft.com/office/powerpoint/2010/main" val="1903300683"/>
+      </p:ext>
+    </p:extLst>
+  </p:cSld>
+  <p:clrMapOvr>
+    <a:masterClrMapping/>
+  </p:clrMapOvr>
+</p:sld>
+</file>
+
+<file path=ppt/slides/slide7.xml><?xml version="1.0" encoding="utf-8"?>
+<p:sld xmlns:a="http://schemas.openxmlformats.org/drawingml/2006/main" xmlns:r="http://schemas.openxmlformats.org/officeDocument/2006/relationships" xmlns:p="http://schemas.openxmlformats.org/presentationml/2006/main">
+  <p:cSld>
+    <p:spTree>
+      <p:nvGrpSpPr>
+        <p:cNvPr id="1" name=""/>
+        <p:cNvGrpSpPr/>
+        <p:nvPr/>
+      </p:nvGrpSpPr>
+      <p:grpSpPr>
+        <a:xfrm>
+          <a:off x="0" y="0"/>
+          <a:ext cx="0" cy="0"/>
+          <a:chOff x="0" y="0"/>
+          <a:chExt cx="0" cy="0"/>
+        </a:xfrm>
+      </p:grpSpPr>
+      <p:sp>
+        <p:nvSpPr>
+          <p:cNvPr id="2" name="제목 1"/>
+          <p:cNvSpPr>
+            <a:spLocks noGrp="1"/>
+          </p:cNvSpPr>
+          <p:nvPr>
+            <p:ph type="title"/>
+          </p:nvPr>
+        </p:nvSpPr>
+        <p:spPr/>
+        <p:txBody>
+          <a:bodyPr/>
+          <a:lstStyle/>
+          <a:p>
+            <a:r>
+              <a:rPr lang="en-US" altLang="ko-KR" dirty="0"/>
+              <a:t>buffer </a:t>
+            </a:r>
+            <a:r>
+              <a:rPr lang="en-US" altLang="ko-KR" dirty="0" smtClean="0"/>
+              <a:t>100k </a:t>
+            </a:r>
+            <a:r>
+              <a:rPr lang="en-US" altLang="ko-KR" dirty="0"/>
+              <a:t>/ </a:t>
+            </a:r>
+            <a:r>
+              <a:rPr lang="en-US" altLang="ko-KR" dirty="0" err="1"/>
+              <a:t>pretrain</a:t>
+            </a:r>
+            <a:r>
+              <a:rPr lang="en-US" altLang="ko-KR" dirty="0"/>
+              <a:t> </a:t>
+            </a:r>
+            <a:r>
+              <a:rPr lang="en-US" altLang="ko-KR" dirty="0" smtClean="0"/>
+              <a:t>500k </a:t>
+            </a:r>
+            <a:r>
+              <a:rPr lang="en-US" altLang="ko-KR" dirty="0"/>
+              <a:t>/ learn 100k</a:t>
+            </a:r>
+            <a:endParaRPr lang="ko-KR" altLang="en-US" dirty="0"/>
+          </a:p>
+        </p:txBody>
+      </p:sp>
+      <p:pic>
+        <p:nvPicPr>
+          <p:cNvPr id="4" name="내용 개체 틀 3"/>
+          <p:cNvPicPr>
+            <a:picLocks noGrp="1" noChangeAspect="1"/>
+          </p:cNvPicPr>
+          <p:nvPr>
+            <p:ph idx="1"/>
+          </p:nvPr>
+        </p:nvPicPr>
+        <p:blipFill>
+          <a:blip r:embed="rId2"/>
+          <a:stretch>
+            <a:fillRect/>
+          </a:stretch>
+        </p:blipFill>
+        <p:spPr>
+          <a:xfrm>
+            <a:off x="449263" y="1575146"/>
+            <a:ext cx="6477040" cy="2495691"/>
+          </a:xfrm>
+          <a:prstGeom prst="rect">
+            <a:avLst/>
+          </a:prstGeom>
+          <a:ln>
+            <a:solidFill>
+              <a:schemeClr val="tx1"/>
+            </a:solidFill>
+          </a:ln>
+        </p:spPr>
+      </p:pic>
+      <p:pic>
+        <p:nvPicPr>
+          <p:cNvPr id="5" name="그림 4"/>
+          <p:cNvPicPr>
+            <a:picLocks noChangeAspect="1"/>
+          </p:cNvPicPr>
+          <p:nvPr/>
+        </p:nvPicPr>
+        <p:blipFill>
+          <a:blip r:embed="rId3"/>
+          <a:stretch>
+            <a:fillRect/>
+          </a:stretch>
+        </p:blipFill>
+        <p:spPr>
+          <a:xfrm>
+            <a:off x="448887" y="4364430"/>
+            <a:ext cx="6477416" cy="2429031"/>
+          </a:xfrm>
+          <a:prstGeom prst="rect">
+            <a:avLst/>
+          </a:prstGeom>
+          <a:ln>
+            <a:solidFill>
+              <a:schemeClr val="tx1"/>
+            </a:solidFill>
+          </a:ln>
+        </p:spPr>
+      </p:pic>
+    </p:spTree>
+    <p:extLst>
+      <p:ext uri="{BB962C8B-B14F-4D97-AF65-F5344CB8AC3E}">
+        <p14:creationId xmlns:p14="http://schemas.microsoft.com/office/powerpoint/2010/main" val="689955994"/>
+      </p:ext>
+    </p:extLst>
+  </p:cSld>
+  <p:clrMapOvr>
+    <a:masterClrMapping/>
+  </p:clrMapOvr>
+</p:sld>
+</file>
+
+<file path=ppt/slides/slide8.xml><?xml version="1.0" encoding="utf-8"?>
+<p:sld xmlns:a="http://schemas.openxmlformats.org/drawingml/2006/main" xmlns:r="http://schemas.openxmlformats.org/officeDocument/2006/relationships" xmlns:p="http://schemas.openxmlformats.org/presentationml/2006/main">
+  <p:cSld>
+    <p:spTree>
+      <p:nvGrpSpPr>
+        <p:cNvPr id="1" name=""/>
+        <p:cNvGrpSpPr/>
+        <p:nvPr/>
+      </p:nvGrpSpPr>
+      <p:grpSpPr>
+        <a:xfrm>
+          <a:off x="0" y="0"/>
+          <a:ext cx="0" cy="0"/>
+          <a:chOff x="0" y="0"/>
+          <a:chExt cx="0" cy="0"/>
+        </a:xfrm>
+      </p:grpSpPr>
+      <p:sp>
+        <p:nvSpPr>
+          <p:cNvPr id="2" name="제목 1"/>
+          <p:cNvSpPr>
+            <a:spLocks noGrp="1"/>
+          </p:cNvSpPr>
+          <p:nvPr>
+            <p:ph type="title"/>
+          </p:nvPr>
+        </p:nvSpPr>
+        <p:spPr/>
+        <p:txBody>
+          <a:bodyPr/>
+          <a:lstStyle/>
+          <a:p>
+            <a:r>
+              <a:rPr lang="en-US" altLang="ko-KR" dirty="0"/>
+              <a:t>buffer 100k / </a:t>
+            </a:r>
+            <a:r>
+              <a:rPr lang="en-US" altLang="ko-KR" dirty="0" err="1"/>
+              <a:t>pretrain</a:t>
+            </a:r>
+            <a:r>
+              <a:rPr lang="en-US" altLang="ko-KR" dirty="0"/>
+              <a:t> 500k / learn </a:t>
+            </a:r>
+            <a:r>
+              <a:rPr lang="en-US" altLang="ko-KR" dirty="0" smtClean="0"/>
+              <a:t>2000</a:t>
+            </a:r>
+            <a:r>
+              <a:rPr lang="en-US" altLang="ko-KR" dirty="0"/>
+              <a:t>k</a:t>
+            </a:r>
+            <a:endParaRPr lang="ko-KR" altLang="en-US" dirty="0"/>
+          </a:p>
+        </p:txBody>
+      </p:sp>
+      <p:pic>
+        <p:nvPicPr>
+          <p:cNvPr id="4" name="내용 개체 틀 3"/>
+          <p:cNvPicPr>
+            <a:picLocks noGrp="1" noChangeAspect="1"/>
+          </p:cNvPicPr>
+          <p:nvPr>
+            <p:ph idx="1"/>
+          </p:nvPr>
+        </p:nvPicPr>
+        <p:blipFill>
+          <a:blip r:embed="rId2"/>
+          <a:stretch>
+            <a:fillRect/>
+          </a:stretch>
+        </p:blipFill>
+        <p:spPr>
+          <a:xfrm>
+            <a:off x="448887" y="1441662"/>
+            <a:ext cx="6642699" cy="2593606"/>
+          </a:xfrm>
+          <a:prstGeom prst="rect">
+            <a:avLst/>
+          </a:prstGeom>
+          <a:ln>
+            <a:solidFill>
+              <a:schemeClr val="tx1"/>
+            </a:solidFill>
+          </a:ln>
+        </p:spPr>
+      </p:pic>
+      <p:pic>
+        <p:nvPicPr>
+          <p:cNvPr id="5" name="그림 4"/>
+          <p:cNvPicPr>
+            <a:picLocks noChangeAspect="1"/>
+          </p:cNvPicPr>
+          <p:nvPr/>
+        </p:nvPicPr>
+        <p:blipFill>
+          <a:blip r:embed="rId3"/>
+          <a:stretch>
+            <a:fillRect/>
+          </a:stretch>
+        </p:blipFill>
+        <p:spPr>
+          <a:xfrm>
+            <a:off x="448887" y="4290646"/>
+            <a:ext cx="6642699" cy="2528232"/>
+          </a:xfrm>
+          <a:prstGeom prst="rect">
+            <a:avLst/>
+          </a:prstGeom>
+          <a:ln>
+            <a:solidFill>
+              <a:schemeClr val="tx1"/>
+            </a:solidFill>
+          </a:ln>
+        </p:spPr>
+      </p:pic>
+    </p:spTree>
+    <p:extLst>
+      <p:ext uri="{BB962C8B-B14F-4D97-AF65-F5344CB8AC3E}">
+        <p14:creationId xmlns:p14="http://schemas.microsoft.com/office/powerpoint/2010/main" val="4053896966"/>
+      </p:ext>
+    </p:extLst>
+  </p:cSld>
+  <p:clrMapOvr>
+    <a:masterClrMapping/>
+  </p:clrMapOvr>
+</p:sld>
+</file>
+
+<file path=ppt/slides/slide9.xml><?xml version="1.0" encoding="utf-8"?>
+<p:sld xmlns:a="http://schemas.openxmlformats.org/drawingml/2006/main" xmlns:r="http://schemas.openxmlformats.org/officeDocument/2006/relationships" xmlns:p="http://schemas.openxmlformats.org/presentationml/2006/main">
+  <p:cSld>
+    <p:spTree>
+      <p:nvGrpSpPr>
+        <p:cNvPr id="1" name=""/>
+        <p:cNvGrpSpPr/>
+        <p:nvPr/>
+      </p:nvGrpSpPr>
+      <p:grpSpPr>
+        <a:xfrm>
+          <a:off x="0" y="0"/>
+          <a:ext cx="0" cy="0"/>
+          <a:chOff x="0" y="0"/>
+          <a:chExt cx="0" cy="0"/>
+        </a:xfrm>
+      </p:grpSpPr>
+      <p:sp>
+        <p:nvSpPr>
+          <p:cNvPr id="2" name="제목 1"/>
+          <p:cNvSpPr>
+            <a:spLocks noGrp="1"/>
+          </p:cNvSpPr>
+          <p:nvPr>
+            <p:ph type="title"/>
+          </p:nvPr>
+        </p:nvSpPr>
+        <p:spPr/>
+        <p:txBody>
+          <a:bodyPr/>
+          <a:lstStyle/>
+          <a:p>
+            <a:r>
+              <a:rPr lang="ko-KR" altLang="en-US" dirty="0" smtClean="0"/>
+              <a:t>버퍼에 다양한 데이터 입력</a:t>
+            </a:r>
+            <a:endParaRPr lang="ko-KR" altLang="en-US" dirty="0"/>
+          </a:p>
+        </p:txBody>
+      </p:sp>
+      <p:sp>
+        <p:nvSpPr>
+          <p:cNvPr id="3" name="내용 개체 틀 2"/>
+          <p:cNvSpPr>
+            <a:spLocks noGrp="1"/>
+          </p:cNvSpPr>
+          <p:nvPr>
+            <p:ph idx="1"/>
+          </p:nvPr>
+        </p:nvSpPr>
+        <p:spPr/>
+        <p:txBody>
+          <a:bodyPr/>
+          <a:lstStyle/>
+          <a:p>
+            <a:r>
+              <a:rPr lang="ko-KR" altLang="en-US" dirty="0" smtClean="0"/>
+              <a:t>기존에는 </a:t>
+            </a:r>
+            <a:r>
+              <a:rPr lang="en-US" altLang="ko-KR" dirty="0" smtClean="0"/>
+              <a:t>expert data</a:t>
+            </a:r>
+            <a:r>
+              <a:rPr lang="ko-KR" altLang="en-US" dirty="0" smtClean="0"/>
+              <a:t>를 최적의 데이터만을 넣어 주었음</a:t>
+            </a:r>
+            <a:r>
+              <a:rPr lang="en-US" altLang="ko-KR" dirty="0" smtClean="0"/>
+              <a:t>.</a:t>
+            </a:r>
+          </a:p>
+          <a:p>
+            <a:r>
+              <a:rPr lang="ko-KR" altLang="en-US" dirty="0" smtClean="0"/>
+              <a:t>이번에는 </a:t>
+            </a:r>
+            <a:r>
+              <a:rPr lang="en-US" altLang="ko-KR" dirty="0" smtClean="0"/>
+              <a:t>60</a:t>
+            </a:r>
+            <a:r>
+              <a:rPr lang="ko-KR" altLang="en-US" dirty="0" smtClean="0"/>
+              <a:t>개의 </a:t>
+            </a:r>
+            <a:r>
+              <a:rPr lang="en-US" altLang="ko-KR" dirty="0" err="1" smtClean="0"/>
+              <a:t>best_model</a:t>
+            </a:r>
+            <a:r>
+              <a:rPr lang="ko-KR" altLang="en-US" dirty="0" smtClean="0"/>
+              <a:t>에서 생성된 데이터들을 넣어준 뒤 학습시킴</a:t>
+            </a:r>
+            <a:endParaRPr lang="en-US" altLang="ko-KR" dirty="0" smtClean="0"/>
+          </a:p>
+          <a:p>
+            <a:r>
+              <a:rPr lang="en-US" altLang="ko-KR" dirty="0" smtClean="0"/>
+              <a:t>12 </a:t>
+            </a:r>
+            <a:r>
+              <a:rPr lang="ko-KR" altLang="en-US" dirty="0" smtClean="0"/>
+              <a:t>개의 </a:t>
+            </a:r>
+            <a:r>
+              <a:rPr lang="en-US" altLang="ko-KR" dirty="0" smtClean="0"/>
+              <a:t>expert data, 10 k </a:t>
+            </a:r>
+            <a:r>
+              <a:rPr lang="ko-KR" altLang="en-US" dirty="0" smtClean="0"/>
+              <a:t>개의 데이터</a:t>
+            </a:r>
+            <a:r>
+              <a:rPr lang="en-US" altLang="ko-KR" dirty="0" smtClean="0"/>
+              <a:t>.</a:t>
+            </a:r>
+          </a:p>
+          <a:p>
+            <a:endParaRPr lang="ko-KR" altLang="en-US" dirty="0"/>
+          </a:p>
+        </p:txBody>
+      </p:sp>
+    </p:spTree>
+    <p:extLst>
+      <p:ext uri="{BB962C8B-B14F-4D97-AF65-F5344CB8AC3E}">
+        <p14:creationId xmlns:p14="http://schemas.microsoft.com/office/powerpoint/2010/main" val="4064405459"/>
       </p:ext>
     </p:extLst>
   </p:cSld>

--- a/1217Report_Pretrain정리/1217Report.pptx
+++ b/1217Report_Pretrain정리/1217Report.pptx
@@ -13,9 +13,8 @@
     <p:sldId id="260" r:id="rId7"/>
     <p:sldId id="261" r:id="rId8"/>
     <p:sldId id="262" r:id="rId9"/>
-    <p:sldId id="264" r:id="rId10"/>
-    <p:sldId id="266" r:id="rId11"/>
-    <p:sldId id="265" r:id="rId12"/>
+    <p:sldId id="266" r:id="rId10"/>
+    <p:sldId id="265" r:id="rId11"/>
   </p:sldIdLst>
   <p:sldSz cx="12192000" cy="6858000"/>
   <p:notesSz cx="6858000" cy="9144000"/>
@@ -269,7 +268,7 @@
           <a:p>
             <a:fld id="{44A6F60C-8ECA-46FC-B0F1-FB4D13C31334}" type="datetimeFigureOut">
               <a:rPr lang="ko-KR" altLang="en-US" smtClean="0"/>
-              <a:t>2023-12-17</a:t>
+              <a:t>2023-12-19</a:t>
             </a:fld>
             <a:endParaRPr lang="ko-KR" altLang="en-US"/>
           </a:p>
@@ -467,7 +466,7 @@
           <a:p>
             <a:fld id="{44A6F60C-8ECA-46FC-B0F1-FB4D13C31334}" type="datetimeFigureOut">
               <a:rPr lang="ko-KR" altLang="en-US" smtClean="0"/>
-              <a:t>2023-12-17</a:t>
+              <a:t>2023-12-19</a:t>
             </a:fld>
             <a:endParaRPr lang="ko-KR" altLang="en-US"/>
           </a:p>
@@ -675,7 +674,7 @@
           <a:p>
             <a:fld id="{44A6F60C-8ECA-46FC-B0F1-FB4D13C31334}" type="datetimeFigureOut">
               <a:rPr lang="ko-KR" altLang="en-US" smtClean="0"/>
-              <a:t>2023-12-17</a:t>
+              <a:t>2023-12-19</a:t>
             </a:fld>
             <a:endParaRPr lang="ko-KR" altLang="en-US"/>
           </a:p>
@@ -907,7 +906,7 @@
           <a:p>
             <a:fld id="{44A6F60C-8ECA-46FC-B0F1-FB4D13C31334}" type="datetimeFigureOut">
               <a:rPr lang="ko-KR" altLang="en-US" smtClean="0"/>
-              <a:t>2023-12-17</a:t>
+              <a:t>2023-12-19</a:t>
             </a:fld>
             <a:endParaRPr lang="ko-KR" altLang="en-US"/>
           </a:p>
@@ -1225,7 +1224,7 @@
           <a:p>
             <a:fld id="{44A6F60C-8ECA-46FC-B0F1-FB4D13C31334}" type="datetimeFigureOut">
               <a:rPr lang="ko-KR" altLang="en-US" smtClean="0"/>
-              <a:t>2023-12-17</a:t>
+              <a:t>2023-12-19</a:t>
             </a:fld>
             <a:endParaRPr lang="ko-KR" altLang="en-US"/>
           </a:p>
@@ -1490,7 +1489,7 @@
           <a:p>
             <a:fld id="{44A6F60C-8ECA-46FC-B0F1-FB4D13C31334}" type="datetimeFigureOut">
               <a:rPr lang="ko-KR" altLang="en-US" smtClean="0"/>
-              <a:t>2023-12-17</a:t>
+              <a:t>2023-12-19</a:t>
             </a:fld>
             <a:endParaRPr lang="ko-KR" altLang="en-US"/>
           </a:p>
@@ -1902,7 +1901,7 @@
           <a:p>
             <a:fld id="{44A6F60C-8ECA-46FC-B0F1-FB4D13C31334}" type="datetimeFigureOut">
               <a:rPr lang="ko-KR" altLang="en-US" smtClean="0"/>
-              <a:t>2023-12-17</a:t>
+              <a:t>2023-12-19</a:t>
             </a:fld>
             <a:endParaRPr lang="ko-KR" altLang="en-US"/>
           </a:p>
@@ -2043,7 +2042,7 @@
           <a:p>
             <a:fld id="{44A6F60C-8ECA-46FC-B0F1-FB4D13C31334}" type="datetimeFigureOut">
               <a:rPr lang="ko-KR" altLang="en-US" smtClean="0"/>
-              <a:t>2023-12-17</a:t>
+              <a:t>2023-12-19</a:t>
             </a:fld>
             <a:endParaRPr lang="ko-KR" altLang="en-US"/>
           </a:p>
@@ -2156,7 +2155,7 @@
           <a:p>
             <a:fld id="{44A6F60C-8ECA-46FC-B0F1-FB4D13C31334}" type="datetimeFigureOut">
               <a:rPr lang="ko-KR" altLang="en-US" smtClean="0"/>
-              <a:t>2023-12-17</a:t>
+              <a:t>2023-12-19</a:t>
             </a:fld>
             <a:endParaRPr lang="ko-KR" altLang="en-US"/>
           </a:p>
@@ -2467,7 +2466,7 @@
           <a:p>
             <a:fld id="{44A6F60C-8ECA-46FC-B0F1-FB4D13C31334}" type="datetimeFigureOut">
               <a:rPr lang="ko-KR" altLang="en-US" smtClean="0"/>
-              <a:t>2023-12-17</a:t>
+              <a:t>2023-12-19</a:t>
             </a:fld>
             <a:endParaRPr lang="ko-KR" altLang="en-US"/>
           </a:p>
@@ -2755,7 +2754,7 @@
           <a:p>
             <a:fld id="{44A6F60C-8ECA-46FC-B0F1-FB4D13C31334}" type="datetimeFigureOut">
               <a:rPr lang="ko-KR" altLang="en-US" smtClean="0"/>
-              <a:t>2023-12-17</a:t>
+              <a:t>2023-12-19</a:t>
             </a:fld>
             <a:endParaRPr lang="ko-KR" altLang="en-US"/>
           </a:p>
@@ -2996,7 +2995,7 @@
           <a:p>
             <a:fld id="{44A6F60C-8ECA-46FC-B0F1-FB4D13C31334}" type="datetimeFigureOut">
               <a:rPr lang="ko-KR" altLang="en-US" smtClean="0"/>
-              <a:t>2023-12-17</a:t>
+              <a:t>2023-12-19</a:t>
             </a:fld>
             <a:endParaRPr lang="ko-KR" altLang="en-US"/>
           </a:p>
@@ -3520,127 +3519,15 @@
           <a:lstStyle/>
           <a:p>
             <a:r>
-              <a:rPr lang="ko-KR" altLang="en-US" dirty="0" smtClean="0"/>
-              <a:t>버퍼에 다양한 데이터 입력</a:t>
-            </a:r>
-            <a:endParaRPr lang="ko-KR" altLang="en-US" dirty="0"/>
-          </a:p>
-        </p:txBody>
-      </p:sp>
-      <p:sp>
-        <p:nvSpPr>
-          <p:cNvPr id="3" name="내용 개체 틀 2"/>
-          <p:cNvSpPr>
-            <a:spLocks noGrp="1"/>
-          </p:cNvSpPr>
-          <p:nvPr>
-            <p:ph idx="1"/>
-          </p:nvPr>
-        </p:nvSpPr>
-        <p:spPr/>
-        <p:txBody>
-          <a:bodyPr/>
-          <a:lstStyle/>
-          <a:p>
-            <a:r>
-              <a:rPr lang="ko-KR" altLang="en-US" dirty="0" smtClean="0"/>
-              <a:t>기존에는 </a:t>
-            </a:r>
-            <a:r>
-              <a:rPr lang="en-US" altLang="ko-KR" dirty="0" smtClean="0"/>
-              <a:t>expert data</a:t>
-            </a:r>
-            <a:r>
-              <a:rPr lang="ko-KR" altLang="en-US" dirty="0" smtClean="0"/>
-              <a:t>를 최적의 데이터만을 넣어 주었음</a:t>
-            </a:r>
-            <a:r>
-              <a:rPr lang="en-US" altLang="ko-KR" dirty="0" smtClean="0"/>
-              <a:t>.</a:t>
-            </a:r>
-          </a:p>
-          <a:p>
-            <a:r>
-              <a:rPr lang="en-US" altLang="ko-KR" dirty="0" smtClean="0"/>
-              <a:t>30 </a:t>
-            </a:r>
-            <a:r>
-              <a:rPr lang="ko-KR" altLang="en-US" dirty="0" smtClean="0"/>
-              <a:t>개의 </a:t>
-            </a:r>
-            <a:r>
-              <a:rPr lang="en-US" altLang="ko-KR" dirty="0" smtClean="0"/>
-              <a:t>expert data, 29 k </a:t>
-            </a:r>
-            <a:r>
-              <a:rPr lang="ko-KR" altLang="en-US" dirty="0" smtClean="0"/>
-              <a:t>개의 데이터</a:t>
-            </a:r>
-            <a:r>
-              <a:rPr lang="en-US" altLang="ko-KR" dirty="0" smtClean="0"/>
-              <a:t>.</a:t>
-            </a:r>
-          </a:p>
-          <a:p>
-            <a:endParaRPr lang="ko-KR" altLang="en-US" dirty="0"/>
-          </a:p>
-        </p:txBody>
-      </p:sp>
-    </p:spTree>
-    <p:extLst>
-      <p:ext uri="{BB962C8B-B14F-4D97-AF65-F5344CB8AC3E}">
-        <p14:creationId xmlns:p14="http://schemas.microsoft.com/office/powerpoint/2010/main" val="1988919057"/>
-      </p:ext>
-    </p:extLst>
-  </p:cSld>
-  <p:clrMapOvr>
-    <a:masterClrMapping/>
-  </p:clrMapOvr>
-</p:sld>
-</file>
-
-<file path=ppt/slides/slide11.xml><?xml version="1.0" encoding="utf-8"?>
-<p:sld xmlns:a="http://schemas.openxmlformats.org/drawingml/2006/main" xmlns:r="http://schemas.openxmlformats.org/officeDocument/2006/relationships" xmlns:p="http://schemas.openxmlformats.org/presentationml/2006/main">
-  <p:cSld>
-    <p:spTree>
-      <p:nvGrpSpPr>
-        <p:cNvPr id="1" name=""/>
-        <p:cNvGrpSpPr/>
-        <p:nvPr/>
-      </p:nvGrpSpPr>
-      <p:grpSpPr>
-        <a:xfrm>
-          <a:off x="0" y="0"/>
-          <a:ext cx="0" cy="0"/>
-          <a:chOff x="0" y="0"/>
-          <a:chExt cx="0" cy="0"/>
-        </a:xfrm>
-      </p:grpSpPr>
-      <p:sp>
-        <p:nvSpPr>
-          <p:cNvPr id="2" name="제목 1"/>
-          <p:cNvSpPr>
-            <a:spLocks noGrp="1"/>
-          </p:cNvSpPr>
-          <p:nvPr>
-            <p:ph type="title"/>
-          </p:nvPr>
-        </p:nvSpPr>
-        <p:spPr/>
-        <p:txBody>
-          <a:bodyPr/>
-          <a:lstStyle/>
-          <a:p>
-            <a:r>
-              <a:rPr lang="en-US" altLang="ko-KR" dirty="0" smtClean="0"/>
+              <a:rPr lang="en-US" altLang="ko-KR" dirty="0"/>
               <a:t>Various expert – buffer 685k / </a:t>
             </a:r>
             <a:r>
-              <a:rPr lang="en-US" altLang="ko-KR" dirty="0" err="1" smtClean="0"/>
+              <a:rPr lang="en-US" altLang="ko-KR" dirty="0" err="1"/>
               <a:t>pretrain</a:t>
             </a:r>
             <a:r>
-              <a:rPr lang="en-US" altLang="ko-KR" dirty="0" smtClean="0"/>
+              <a:rPr lang="en-US" altLang="ko-KR" dirty="0"/>
               <a:t> 100k / learn 100k</a:t>
             </a:r>
             <a:endParaRPr lang="ko-KR" altLang="en-US" dirty="0"/>
@@ -3753,18 +3640,17 @@
           <a:lstStyle/>
           <a:p>
             <a:r>
-              <a:rPr lang="ko-KR" altLang="en-US" dirty="0" smtClean="0"/>
+              <a:rPr lang="ko-KR" altLang="en-US" dirty="0"/>
               <a:t>기존 </a:t>
             </a:r>
             <a:r>
-              <a:rPr lang="en-US" altLang="ko-KR" dirty="0" smtClean="0"/>
+              <a:rPr lang="en-US" altLang="ko-KR" dirty="0"/>
               <a:t>300</a:t>
             </a:r>
             <a:r>
-              <a:rPr lang="ko-KR" altLang="en-US" dirty="0" smtClean="0"/>
+              <a:rPr lang="ko-KR" altLang="en-US" dirty="0"/>
               <a:t>만회 학습 시</a:t>
             </a:r>
-            <a:endParaRPr lang="ko-KR" altLang="en-US" dirty="0"/>
           </a:p>
         </p:txBody>
       </p:sp>
@@ -3851,13 +3737,13 @@
           <a:lstStyle/>
           <a:p>
             <a:r>
-              <a:rPr lang="en-US" altLang="ko-KR" dirty="0" smtClean="0"/>
+              <a:rPr lang="en-US" altLang="ko-KR" dirty="0"/>
               <a:t>Episode Length mean = 1285</a:t>
             </a:r>
           </a:p>
           <a:p>
             <a:r>
-              <a:rPr lang="en-US" altLang="ko-KR" dirty="0" smtClean="0"/>
+              <a:rPr lang="en-US" altLang="ko-KR" dirty="0"/>
               <a:t>Episode Reward mean = -2e+5</a:t>
             </a:r>
             <a:endParaRPr lang="ko-KR" altLang="en-US" dirty="0"/>
@@ -3916,12 +3802,8 @@
           <a:lstStyle/>
           <a:p>
             <a:r>
-              <a:rPr lang="en-US" altLang="ko-KR" dirty="0" smtClean="0"/>
-              <a:t>buffer </a:t>
-            </a:r>
-            <a:r>
               <a:rPr lang="en-US" altLang="ko-KR" dirty="0"/>
-              <a:t>10k / pretrain 50k / learn 100k</a:t>
+              <a:t>buffer 10k / pretrain 50k / learn 100k</a:t>
             </a:r>
             <a:endParaRPr lang="ko-KR" altLang="en-US" dirty="0"/>
           </a:p>
@@ -4039,12 +3921,8 @@
           <a:lstStyle/>
           <a:p>
             <a:r>
-              <a:rPr lang="en-US" altLang="ko-KR" dirty="0" smtClean="0"/>
-              <a:t>buffer </a:t>
-            </a:r>
-            <a:r>
               <a:rPr lang="en-US" altLang="ko-KR" dirty="0"/>
-              <a:t>10k / </a:t>
+              <a:t>buffer 10k / </a:t>
             </a:r>
             <a:r>
               <a:rPr lang="en-US" altLang="ko-KR" dirty="0" err="1"/>
@@ -4052,15 +3930,7 @@
             </a:r>
             <a:r>
               <a:rPr lang="en-US" altLang="ko-KR" dirty="0"/>
-              <a:t> </a:t>
-            </a:r>
-            <a:r>
-              <a:rPr lang="en-US" altLang="ko-KR" dirty="0" smtClean="0"/>
-              <a:t>500k </a:t>
-            </a:r>
-            <a:r>
-              <a:rPr lang="en-US" altLang="ko-KR" dirty="0"/>
-              <a:t>/ learn 100k</a:t>
+              <a:t> 500k / learn 100k</a:t>
             </a:r>
             <a:endParaRPr lang="ko-KR" altLang="en-US" dirty="0"/>
           </a:p>
@@ -4172,12 +4042,8 @@
           <a:lstStyle/>
           <a:p>
             <a:r>
-              <a:rPr lang="en-US" altLang="ko-KR" dirty="0" smtClean="0"/>
-              <a:t>buffer 100k </a:t>
-            </a:r>
-            <a:r>
               <a:rPr lang="en-US" altLang="ko-KR" dirty="0"/>
-              <a:t>/ </a:t>
+              <a:t>buffer 100k / </a:t>
             </a:r>
             <a:r>
               <a:rPr lang="en-US" altLang="ko-KR" dirty="0" err="1"/>
@@ -4185,15 +4051,7 @@
             </a:r>
             <a:r>
               <a:rPr lang="en-US" altLang="ko-KR" dirty="0"/>
-              <a:t> </a:t>
-            </a:r>
-            <a:r>
-              <a:rPr lang="en-US" altLang="ko-KR" dirty="0" smtClean="0"/>
-              <a:t>50k </a:t>
-            </a:r>
-            <a:r>
-              <a:rPr lang="en-US" altLang="ko-KR" dirty="0"/>
-              <a:t>/ learn 100k</a:t>
+              <a:t> 50k / learn 100k</a:t>
             </a:r>
             <a:endParaRPr lang="ko-KR" altLang="en-US" dirty="0"/>
           </a:p>
@@ -4306,15 +4164,7 @@
           <a:p>
             <a:r>
               <a:rPr lang="en-US" altLang="ko-KR" dirty="0"/>
-              <a:t>buffer </a:t>
-            </a:r>
-            <a:r>
-              <a:rPr lang="en-US" altLang="ko-KR" dirty="0" smtClean="0"/>
-              <a:t>10000k </a:t>
-            </a:r>
-            <a:r>
-              <a:rPr lang="en-US" altLang="ko-KR" dirty="0"/>
-              <a:t>/ </a:t>
+              <a:t>buffer 10000k / </a:t>
             </a:r>
             <a:r>
               <a:rPr lang="en-US" altLang="ko-KR" dirty="0" err="1"/>
@@ -4435,15 +4285,7 @@
           <a:p>
             <a:r>
               <a:rPr lang="en-US" altLang="ko-KR" dirty="0"/>
-              <a:t>buffer </a:t>
-            </a:r>
-            <a:r>
-              <a:rPr lang="en-US" altLang="ko-KR" dirty="0" smtClean="0"/>
-              <a:t>100k </a:t>
-            </a:r>
-            <a:r>
-              <a:rPr lang="en-US" altLang="ko-KR" dirty="0"/>
-              <a:t>/ </a:t>
+              <a:t>buffer 100k / </a:t>
             </a:r>
             <a:r>
               <a:rPr lang="en-US" altLang="ko-KR" dirty="0" err="1"/>
@@ -4451,15 +4293,7 @@
             </a:r>
             <a:r>
               <a:rPr lang="en-US" altLang="ko-KR" dirty="0"/>
-              <a:t> </a:t>
-            </a:r>
-            <a:r>
-              <a:rPr lang="en-US" altLang="ko-KR" dirty="0" smtClean="0"/>
-              <a:t>500k </a:t>
-            </a:r>
-            <a:r>
-              <a:rPr lang="en-US" altLang="ko-KR" dirty="0"/>
-              <a:t>/ learn 100k</a:t>
+              <a:t> 500k / learn 100k</a:t>
             </a:r>
             <a:endParaRPr lang="ko-KR" altLang="en-US" dirty="0"/>
           </a:p>
@@ -4580,15 +4414,7 @@
             </a:r>
             <a:r>
               <a:rPr lang="en-US" altLang="ko-KR" dirty="0"/>
-              <a:t> 500k / learn </a:t>
-            </a:r>
-            <a:r>
-              <a:rPr lang="en-US" altLang="ko-KR" dirty="0" smtClean="0"/>
-              <a:t>2000</a:t>
-            </a:r>
-            <a:r>
-              <a:rPr lang="en-US" altLang="ko-KR" dirty="0"/>
-              <a:t>k</a:t>
+              <a:t> 500k / learn 2000k</a:t>
             </a:r>
             <a:endParaRPr lang="ko-KR" altLang="en-US" dirty="0"/>
           </a:p>
@@ -4700,10 +4526,9 @@
           <a:lstStyle/>
           <a:p>
             <a:r>
-              <a:rPr lang="ko-KR" altLang="en-US" dirty="0" smtClean="0"/>
+              <a:rPr lang="ko-KR" altLang="en-US" dirty="0"/>
               <a:t>버퍼에 다양한 데이터 입력</a:t>
             </a:r>
-            <a:endParaRPr lang="ko-KR" altLang="en-US" dirty="0"/>
           </a:p>
         </p:txBody>
       </p:sp>
@@ -4723,64 +4548,41 @@
           <a:lstStyle/>
           <a:p>
             <a:r>
-              <a:rPr lang="ko-KR" altLang="en-US" dirty="0" smtClean="0"/>
+              <a:rPr lang="ko-KR" altLang="en-US" dirty="0"/>
               <a:t>기존에는 </a:t>
             </a:r>
             <a:r>
-              <a:rPr lang="en-US" altLang="ko-KR" dirty="0" smtClean="0"/>
+              <a:rPr lang="en-US" altLang="ko-KR" dirty="0"/>
               <a:t>expert data</a:t>
             </a:r>
             <a:r>
-              <a:rPr lang="ko-KR" altLang="en-US" dirty="0" smtClean="0"/>
+              <a:rPr lang="ko-KR" altLang="en-US" dirty="0"/>
               <a:t>를 최적의 데이터만을 넣어 주었음</a:t>
             </a:r>
             <a:r>
-              <a:rPr lang="en-US" altLang="ko-KR" dirty="0" smtClean="0"/>
+              <a:rPr lang="en-US" altLang="ko-KR" dirty="0"/>
               <a:t>.</a:t>
             </a:r>
           </a:p>
           <a:p>
             <a:r>
-              <a:rPr lang="ko-KR" altLang="en-US" dirty="0" smtClean="0"/>
-              <a:t>이번에는 </a:t>
-            </a:r>
-            <a:r>
-              <a:rPr lang="en-US" altLang="ko-KR" dirty="0" smtClean="0"/>
-              <a:t>60</a:t>
-            </a:r>
-            <a:r>
-              <a:rPr lang="ko-KR" altLang="en-US" dirty="0" smtClean="0"/>
+              <a:rPr lang="en-US" altLang="ko-KR" dirty="0"/>
+              <a:t>30 </a:t>
+            </a:r>
+            <a:r>
+              <a:rPr lang="ko-KR" altLang="en-US" dirty="0"/>
               <a:t>개의 </a:t>
             </a:r>
             <a:r>
-              <a:rPr lang="en-US" altLang="ko-KR" dirty="0" err="1" smtClean="0"/>
-              <a:t>best_model</a:t>
-            </a:r>
-            <a:r>
-              <a:rPr lang="ko-KR" altLang="en-US" dirty="0" smtClean="0"/>
-              <a:t>에서 생성된 데이터들을 넣어준 뒤 학습시킴</a:t>
-            </a:r>
-            <a:endParaRPr lang="en-US" altLang="ko-KR" dirty="0" smtClean="0"/>
-          </a:p>
-          <a:p>
-            <a:r>
-              <a:rPr lang="en-US" altLang="ko-KR" dirty="0" smtClean="0"/>
-              <a:t>12 </a:t>
-            </a:r>
-            <a:r>
-              <a:rPr lang="ko-KR" altLang="en-US" dirty="0" smtClean="0"/>
-              <a:t>개의 </a:t>
-            </a:r>
-            <a:r>
-              <a:rPr lang="en-US" altLang="ko-KR" dirty="0" smtClean="0"/>
-              <a:t>expert data, 10 k </a:t>
-            </a:r>
-            <a:r>
-              <a:rPr lang="ko-KR" altLang="en-US" dirty="0" smtClean="0"/>
+              <a:rPr lang="en-US" altLang="ko-KR" dirty="0"/>
+              <a:t>expert data, 29 k </a:t>
+            </a:r>
+            <a:r>
+              <a:rPr lang="ko-KR" altLang="en-US" dirty="0"/>
               <a:t>개의 데이터</a:t>
             </a:r>
             <a:r>
-              <a:rPr lang="en-US" altLang="ko-KR" dirty="0" smtClean="0"/>
+              <a:rPr lang="en-US" altLang="ko-KR" dirty="0"/>
               <a:t>.</a:t>
             </a:r>
           </a:p>
@@ -4792,7 +4594,7 @@
     </p:spTree>
     <p:extLst>
       <p:ext uri="{BB962C8B-B14F-4D97-AF65-F5344CB8AC3E}">
-        <p14:creationId xmlns:p14="http://schemas.microsoft.com/office/powerpoint/2010/main" val="4064405459"/>
+        <p14:creationId xmlns:p14="http://schemas.microsoft.com/office/powerpoint/2010/main" val="1988919057"/>
       </p:ext>
     </p:extLst>
   </p:cSld>
